--- a/Iteration-1/Iteration Presentation.pptx
+++ b/Iteration-1/Iteration Presentation.pptx
@@ -5961,6 +5961,36 @@
           </a:prstGeom>
         </p:spPr>
       </p:pic>
+      <p:pic>
+        <p:nvPicPr>
+          <p:cNvPr id="12" name="Picture 11">
+            <a:extLst>
+              <a:ext uri="{FF2B5EF4-FFF2-40B4-BE49-F238E27FC236}">
+                <a16:creationId xmlns:a16="http://schemas.microsoft.com/office/drawing/2014/main" id="{43732719-427D-CD47-A4C7-C2B52A490785}"/>
+              </a:ext>
+            </a:extLst>
+          </p:cNvPr>
+          <p:cNvPicPr>
+            <a:picLocks noChangeAspect="1"/>
+          </p:cNvPicPr>
+          <p:nvPr/>
+        </p:nvPicPr>
+        <p:blipFill>
+          <a:blip r:embed="rId3"/>
+          <a:stretch>
+            <a:fillRect/>
+          </a:stretch>
+        </p:blipFill>
+        <p:spPr>
+          <a:xfrm>
+            <a:off x="4915557" y="4633784"/>
+            <a:ext cx="3954162" cy="2224216"/>
+          </a:xfrm>
+          <a:prstGeom prst="rect">
+            <a:avLst/>
+          </a:prstGeom>
+        </p:spPr>
+      </p:pic>
     </p:spTree>
     <p:extLst>
       <p:ext uri="{BB962C8B-B14F-4D97-AF65-F5344CB8AC3E}">
@@ -5971,6 +6001,127 @@
   <p:clrMapOvr>
     <a:masterClrMapping/>
   </p:clrMapOvr>
+  <p:timing>
+    <p:tnLst>
+      <p:par>
+        <p:cTn id="1" dur="indefinite" restart="never" nodeType="tmRoot">
+          <p:childTnLst>
+            <p:seq concurrent="1" nextAc="seek">
+              <p:cTn id="2" dur="indefinite" nodeType="mainSeq">
+                <p:childTnLst>
+                  <p:par>
+                    <p:cTn id="3" fill="hold">
+                      <p:stCondLst>
+                        <p:cond delay="indefinite"/>
+                      </p:stCondLst>
+                      <p:childTnLst>
+                        <p:par>
+                          <p:cTn id="4" fill="hold">
+                            <p:stCondLst>
+                              <p:cond delay="0"/>
+                            </p:stCondLst>
+                            <p:childTnLst>
+                              <p:par>
+                                <p:cTn id="5" presetID="2" presetClass="entr" presetSubtype="2" fill="hold" nodeType="clickEffect">
+                                  <p:stCondLst>
+                                    <p:cond delay="0"/>
+                                  </p:stCondLst>
+                                  <p:childTnLst>
+                                    <p:set>
+                                      <p:cBhvr>
+                                        <p:cTn id="6" dur="1" fill="hold">
+                                          <p:stCondLst>
+                                            <p:cond delay="0"/>
+                                          </p:stCondLst>
+                                        </p:cTn>
+                                        <p:tgtEl>
+                                          <p:spTgt spid="12"/>
+                                        </p:tgtEl>
+                                        <p:attrNameLst>
+                                          <p:attrName>style.visibility</p:attrName>
+                                        </p:attrNameLst>
+                                      </p:cBhvr>
+                                      <p:to>
+                                        <p:strVal val="visible"/>
+                                      </p:to>
+                                    </p:set>
+                                    <p:anim calcmode="lin" valueType="num">
+                                      <p:cBhvr additive="base">
+                                        <p:cTn id="7" dur="500" fill="hold"/>
+                                        <p:tgtEl>
+                                          <p:spTgt spid="12"/>
+                                        </p:tgtEl>
+                                        <p:attrNameLst>
+                                          <p:attrName>ppt_x</p:attrName>
+                                        </p:attrNameLst>
+                                      </p:cBhvr>
+                                      <p:tavLst>
+                                        <p:tav tm="0">
+                                          <p:val>
+                                            <p:strVal val="1+#ppt_w/2"/>
+                                          </p:val>
+                                        </p:tav>
+                                        <p:tav tm="100000">
+                                          <p:val>
+                                            <p:strVal val="#ppt_x"/>
+                                          </p:val>
+                                        </p:tav>
+                                      </p:tavLst>
+                                    </p:anim>
+                                    <p:anim calcmode="lin" valueType="num">
+                                      <p:cBhvr additive="base">
+                                        <p:cTn id="8" dur="500" fill="hold"/>
+                                        <p:tgtEl>
+                                          <p:spTgt spid="12"/>
+                                        </p:tgtEl>
+                                        <p:attrNameLst>
+                                          <p:attrName>ppt_y</p:attrName>
+                                        </p:attrNameLst>
+                                      </p:cBhvr>
+                                      <p:tavLst>
+                                        <p:tav tm="0">
+                                          <p:val>
+                                            <p:strVal val="#ppt_y"/>
+                                          </p:val>
+                                        </p:tav>
+                                        <p:tav tm="100000">
+                                          <p:val>
+                                            <p:strVal val="#ppt_y"/>
+                                          </p:val>
+                                        </p:tav>
+                                      </p:tavLst>
+                                    </p:anim>
+                                  </p:childTnLst>
+                                </p:cTn>
+                              </p:par>
+                            </p:childTnLst>
+                          </p:cTn>
+                        </p:par>
+                      </p:childTnLst>
+                    </p:cTn>
+                  </p:par>
+                </p:childTnLst>
+              </p:cTn>
+              <p:prevCondLst>
+                <p:cond evt="onPrev" delay="0">
+                  <p:tgtEl>
+                    <p:sldTgt/>
+                  </p:tgtEl>
+                </p:cond>
+              </p:prevCondLst>
+              <p:nextCondLst>
+                <p:cond evt="onNext" delay="0">
+                  <p:tgtEl>
+                    <p:sldTgt/>
+                  </p:tgtEl>
+                </p:cond>
+              </p:nextCondLst>
+            </p:seq>
+          </p:childTnLst>
+        </p:cTn>
+      </p:par>
+    </p:tnLst>
+  </p:timing>
 </p:sld>
 </file>
 
@@ -6015,6 +6166,36 @@
           <a:xfrm>
             <a:off x="0" y="0"/>
             <a:ext cx="5299364" cy="6858000"/>
+          </a:xfrm>
+          <a:prstGeom prst="rect">
+            <a:avLst/>
+          </a:prstGeom>
+        </p:spPr>
+      </p:pic>
+      <p:pic>
+        <p:nvPicPr>
+          <p:cNvPr id="9" name="Picture 8">
+            <a:extLst>
+              <a:ext uri="{FF2B5EF4-FFF2-40B4-BE49-F238E27FC236}">
+                <a16:creationId xmlns:a16="http://schemas.microsoft.com/office/drawing/2014/main" id="{19751679-DEE0-5143-A793-F9DEC44AD542}"/>
+              </a:ext>
+            </a:extLst>
+          </p:cNvPr>
+          <p:cNvPicPr>
+            <a:picLocks noChangeAspect="1"/>
+          </p:cNvPicPr>
+          <p:nvPr/>
+        </p:nvPicPr>
+        <p:blipFill>
+          <a:blip r:embed="rId3"/>
+          <a:stretch>
+            <a:fillRect/>
+          </a:stretch>
+        </p:blipFill>
+        <p:spPr>
+          <a:xfrm>
+            <a:off x="8648700" y="4635500"/>
+            <a:ext cx="3543300" cy="2222500"/>
           </a:xfrm>
           <a:prstGeom prst="rect">
             <a:avLst/>
@@ -6081,6 +6262,66 @@
           </a:prstGeom>
         </p:spPr>
       </p:pic>
+      <p:pic>
+        <p:nvPicPr>
+          <p:cNvPr id="7" name="Picture 6">
+            <a:extLst>
+              <a:ext uri="{FF2B5EF4-FFF2-40B4-BE49-F238E27FC236}">
+                <a16:creationId xmlns:a16="http://schemas.microsoft.com/office/drawing/2014/main" id="{CEBEC4D4-F5BF-334A-985D-28A0C6F85080}"/>
+              </a:ext>
+            </a:extLst>
+          </p:cNvPr>
+          <p:cNvPicPr>
+            <a:picLocks noChangeAspect="1"/>
+          </p:cNvPicPr>
+          <p:nvPr/>
+        </p:nvPicPr>
+        <p:blipFill>
+          <a:blip r:embed="rId3"/>
+          <a:stretch>
+            <a:fillRect/>
+          </a:stretch>
+        </p:blipFill>
+        <p:spPr>
+          <a:xfrm>
+            <a:off x="9334500" y="5557108"/>
+            <a:ext cx="2857500" cy="1270000"/>
+          </a:xfrm>
+          <a:prstGeom prst="rect">
+            <a:avLst/>
+          </a:prstGeom>
+        </p:spPr>
+      </p:pic>
+      <p:pic>
+        <p:nvPicPr>
+          <p:cNvPr id="9" name="Picture 8">
+            <a:extLst>
+              <a:ext uri="{FF2B5EF4-FFF2-40B4-BE49-F238E27FC236}">
+                <a16:creationId xmlns:a16="http://schemas.microsoft.com/office/drawing/2014/main" id="{90C2B035-A7AF-1548-81B7-DC44F44E805A}"/>
+              </a:ext>
+            </a:extLst>
+          </p:cNvPr>
+          <p:cNvPicPr>
+            <a:picLocks noChangeAspect="1"/>
+          </p:cNvPicPr>
+          <p:nvPr/>
+        </p:nvPicPr>
+        <p:blipFill>
+          <a:blip r:embed="rId4"/>
+          <a:stretch>
+            <a:fillRect/>
+          </a:stretch>
+        </p:blipFill>
+        <p:spPr>
+          <a:xfrm>
+            <a:off x="6159500" y="3398108"/>
+            <a:ext cx="3175000" cy="2159000"/>
+          </a:xfrm>
+          <a:prstGeom prst="rect">
+            <a:avLst/>
+          </a:prstGeom>
+        </p:spPr>
+      </p:pic>
     </p:spTree>
     <p:extLst>
       <p:ext uri="{BB962C8B-B14F-4D97-AF65-F5344CB8AC3E}">
@@ -6282,8 +6523,8 @@
         </p:blipFill>
         <p:spPr>
           <a:xfrm>
-            <a:off x="-294485" y="-968353"/>
-            <a:ext cx="7009647" cy="8854339"/>
+            <a:off x="-383059" y="-963830"/>
+            <a:ext cx="7191632" cy="8862172"/>
           </a:xfrm>
           <a:prstGeom prst="rect">
             <a:avLst/>
@@ -6305,7 +6546,7 @@
         <p:spPr>
           <a:xfrm>
             <a:off x="6261652" y="417443"/>
-            <a:ext cx="5595731" cy="369332"/>
+            <a:ext cx="5595731" cy="1692771"/>
           </a:xfrm>
           <a:prstGeom prst="rect">
             <a:avLst/>
@@ -6318,9 +6559,195 @@
           </a:bodyPr>
           <a:lstStyle/>
           <a:p>
-            <a:r>
-              <a:rPr lang="en-US" dirty="0"/>
-              <a:t>Text about domain model</a:t>
+            <a:pPr marL="285750" indent="-285750">
+              <a:buFont typeface="Arial" panose="020B0604020202020204" pitchFamily="34" charset="0"/>
+              <a:buChar char="•"/>
+            </a:pPr>
+            <a:r>
+              <a:rPr lang="en-US" dirty="0">
+                <a:latin typeface="VCR OSD Mono" panose="02000609000000000000" pitchFamily="49" charset="0"/>
+              </a:rPr>
+              <a:t>User is extended by</a:t>
+            </a:r>
+          </a:p>
+          <a:p>
+            <a:pPr marL="742950" lvl="1" indent="-285750">
+              <a:buFont typeface="Arial" panose="020B0604020202020204" pitchFamily="34" charset="0"/>
+              <a:buChar char="•"/>
+            </a:pPr>
+            <a:r>
+              <a:rPr lang="en-US" dirty="0">
+                <a:latin typeface="VCR OSD Mono" panose="02000609000000000000" pitchFamily="49" charset="0"/>
+              </a:rPr>
+              <a:t>Subcontractor</a:t>
+            </a:r>
+          </a:p>
+          <a:p>
+            <a:pPr marL="742950" lvl="1" indent="-285750">
+              <a:buFont typeface="Arial" panose="020B0604020202020204" pitchFamily="34" charset="0"/>
+              <a:buChar char="•"/>
+            </a:pPr>
+            <a:r>
+              <a:rPr lang="en-US" dirty="0">
+                <a:latin typeface="VCR OSD Mono" panose="02000609000000000000" pitchFamily="49" charset="0"/>
+              </a:rPr>
+              <a:t>Representative</a:t>
+            </a:r>
+          </a:p>
+          <a:p>
+            <a:pPr marL="742950" lvl="1" indent="-285750">
+              <a:buFont typeface="Arial" panose="020B0604020202020204" pitchFamily="34" charset="0"/>
+              <a:buChar char="•"/>
+            </a:pPr>
+            <a:r>
+              <a:rPr lang="en-US" dirty="0">
+                <a:latin typeface="VCR OSD Mono" panose="02000609000000000000" pitchFamily="49" charset="0"/>
+              </a:rPr>
+              <a:t>Admin</a:t>
+            </a:r>
+          </a:p>
+          <a:p>
+            <a:pPr marL="1200150" lvl="2" indent="-285750">
+              <a:buFont typeface="Arial" panose="020B0604020202020204" pitchFamily="34" charset="0"/>
+              <a:buChar char="•"/>
+            </a:pPr>
+            <a:r>
+              <a:rPr lang="en-US" sz="1400" dirty="0">
+                <a:latin typeface="VCR OSD Mono" panose="02000609000000000000" pitchFamily="49" charset="0"/>
+              </a:rPr>
+              <a:t>One admin services zero or many receipts</a:t>
+            </a:r>
+          </a:p>
+          <a:p>
+            <a:pPr marL="742950" lvl="1" indent="-285750">
+              <a:buFont typeface="Arial" panose="020B0604020202020204" pitchFamily="34" charset="0"/>
+              <a:buChar char="•"/>
+            </a:pPr>
+            <a:r>
+              <a:rPr lang="en-US" dirty="0">
+                <a:latin typeface="VCR OSD Mono" panose="02000609000000000000" pitchFamily="49" charset="0"/>
+              </a:rPr>
+              <a:t>Customer</a:t>
+            </a:r>
+          </a:p>
+        </p:txBody>
+      </p:sp>
+      <p:pic>
+        <p:nvPicPr>
+          <p:cNvPr id="18" name="Picture 17">
+            <a:extLst>
+              <a:ext uri="{FF2B5EF4-FFF2-40B4-BE49-F238E27FC236}">
+                <a16:creationId xmlns:a16="http://schemas.microsoft.com/office/drawing/2014/main" id="{BB376DCD-1A08-C949-9BB5-F09292266DC4}"/>
+              </a:ext>
+            </a:extLst>
+          </p:cNvPr>
+          <p:cNvPicPr>
+            <a:picLocks noChangeAspect="1"/>
+          </p:cNvPicPr>
+          <p:nvPr/>
+        </p:nvPicPr>
+        <p:blipFill>
+          <a:blip r:embed="rId3"/>
+          <a:stretch>
+            <a:fillRect/>
+          </a:stretch>
+        </p:blipFill>
+        <p:spPr>
+          <a:xfrm>
+            <a:off x="9398000" y="4445000"/>
+            <a:ext cx="2794000" cy="2413000"/>
+          </a:xfrm>
+          <a:prstGeom prst="rect">
+            <a:avLst/>
+          </a:prstGeom>
+        </p:spPr>
+      </p:pic>
+      <p:sp>
+        <p:nvSpPr>
+          <p:cNvPr id="20" name="TextBox 19">
+            <a:extLst>
+              <a:ext uri="{FF2B5EF4-FFF2-40B4-BE49-F238E27FC236}">
+                <a16:creationId xmlns:a16="http://schemas.microsoft.com/office/drawing/2014/main" id="{4F220E92-0BE9-484D-A715-B48026A30B87}"/>
+              </a:ext>
+            </a:extLst>
+          </p:cNvPr>
+          <p:cNvSpPr txBox="1"/>
+          <p:nvPr/>
+        </p:nvSpPr>
+        <p:spPr>
+          <a:xfrm>
+            <a:off x="6261652" y="2126003"/>
+            <a:ext cx="5618920" cy="369332"/>
+          </a:xfrm>
+          <a:prstGeom prst="rect">
+            <a:avLst/>
+          </a:prstGeom>
+          <a:noFill/>
+        </p:spPr>
+        <p:txBody>
+          <a:bodyPr wrap="square" rtlCol="0">
+            <a:spAutoFit/>
+          </a:bodyPr>
+          <a:lstStyle/>
+          <a:p>
+            <a:r>
+              <a:rPr lang="en-US" dirty="0">
+                <a:latin typeface="VCR OSD Mono" panose="02000609000000000000" pitchFamily="49" charset="0"/>
+              </a:rPr>
+              <a:t>A rep and an Admin have a Payroll</a:t>
+            </a:r>
+          </a:p>
+        </p:txBody>
+      </p:sp>
+      <p:sp>
+        <p:nvSpPr>
+          <p:cNvPr id="21" name="TextBox 20">
+            <a:extLst>
+              <a:ext uri="{FF2B5EF4-FFF2-40B4-BE49-F238E27FC236}">
+                <a16:creationId xmlns:a16="http://schemas.microsoft.com/office/drawing/2014/main" id="{A8AE01EE-CFF9-0945-8821-74B2CB294976}"/>
+              </a:ext>
+            </a:extLst>
+          </p:cNvPr>
+          <p:cNvSpPr txBox="1"/>
+          <p:nvPr/>
+        </p:nvSpPr>
+        <p:spPr>
+          <a:xfrm>
+            <a:off x="6261652" y="2413000"/>
+            <a:ext cx="6104238" cy="923330"/>
+          </a:xfrm>
+          <a:prstGeom prst="rect">
+            <a:avLst/>
+          </a:prstGeom>
+          <a:noFill/>
+        </p:spPr>
+        <p:txBody>
+          <a:bodyPr wrap="square" rtlCol="0">
+            <a:spAutoFit/>
+          </a:bodyPr>
+          <a:lstStyle/>
+          <a:p>
+            <a:r>
+              <a:rPr lang="en-US" dirty="0">
+                <a:latin typeface="VCR OSD Mono" panose="02000609000000000000" pitchFamily="49" charset="0"/>
+              </a:rPr>
+              <a:t>A catalog contains cars</a:t>
+            </a:r>
+          </a:p>
+          <a:p>
+            <a:r>
+              <a:rPr lang="en-US" dirty="0">
+                <a:latin typeface="VCR OSD Mono" panose="02000609000000000000" pitchFamily="49" charset="0"/>
+              </a:rPr>
+              <a:t>An admin updates and services the catalog</a:t>
+            </a:r>
+          </a:p>
+          <a:p>
+            <a:r>
+              <a:rPr lang="en-US" dirty="0">
+                <a:latin typeface="VCR OSD Mono" panose="02000609000000000000" pitchFamily="49" charset="0"/>
+              </a:rPr>
+              <a:t>A company rep will update the cars info</a:t>
             </a:r>
           </a:p>
         </p:txBody>
@@ -6385,6 +6812,43 @@
           </a:prstGeom>
         </p:spPr>
       </p:pic>
+      <p:sp>
+        <p:nvSpPr>
+          <p:cNvPr id="13" name="TextBox 12">
+            <a:extLst>
+              <a:ext uri="{FF2B5EF4-FFF2-40B4-BE49-F238E27FC236}">
+                <a16:creationId xmlns:a16="http://schemas.microsoft.com/office/drawing/2014/main" id="{B7CEF4D3-E045-B14F-A96D-A696DD028A4D}"/>
+              </a:ext>
+            </a:extLst>
+          </p:cNvPr>
+          <p:cNvSpPr txBox="1"/>
+          <p:nvPr/>
+        </p:nvSpPr>
+        <p:spPr>
+          <a:xfrm>
+            <a:off x="5575852" y="1490008"/>
+            <a:ext cx="6616148" cy="1569660"/>
+          </a:xfrm>
+          <a:prstGeom prst="rect">
+            <a:avLst/>
+          </a:prstGeom>
+          <a:noFill/>
+        </p:spPr>
+        <p:txBody>
+          <a:bodyPr wrap="square" rtlCol="0">
+            <a:spAutoFit/>
+          </a:bodyPr>
+          <a:lstStyle/>
+          <a:p>
+            <a:r>
+              <a:rPr lang="en-US" sz="2400" dirty="0">
+                <a:latin typeface="VCR OSD Mono" panose="02000609000000000000" pitchFamily="49" charset="0"/>
+              </a:rPr>
+              <a:t>This list it not exhaustive. As with everything this list will grow and evolve as the software itself evolves.</a:t>
+            </a:r>
+          </a:p>
+        </p:txBody>
+      </p:sp>
     </p:spTree>
     <p:extLst>
       <p:ext uri="{BB962C8B-B14F-4D97-AF65-F5344CB8AC3E}">

--- a/Iteration-1/Iteration Presentation.pptx
+++ b/Iteration-1/Iteration Presentation.pptx
@@ -112,6 +112,11 @@
       </a:defRPr>
     </a:lvl9pPr>
   </p:defaultTextStyle>
+  <p:extLst>
+    <p:ext uri="{EFAFB233-063F-42B5-8137-9DF3F51BA10A}">
+      <p15:sldGuideLst xmlns:p15="http://schemas.microsoft.com/office/powerpoint/2012/main"/>
+    </p:ext>
+  </p:extLst>
 </p:presentation>
 </file>
 
@@ -345,7 +350,7 @@
             <a:fld id="{B61BEF0D-F0BB-DE4B-95CE-6DB70DBA9567}" type="datetimeFigureOut">
               <a:rPr lang="en-US" dirty="0"/>
               <a:pPr/>
-              <a:t>2/11/19</a:t>
+              <a:t>2/12/19</a:t>
             </a:fld>
             <a:endParaRPr lang="en-US" dirty="0"/>
           </a:p>
@@ -676,7 +681,7 @@
             <a:fld id="{B61BEF0D-F0BB-DE4B-95CE-6DB70DBA9567}" type="datetimeFigureOut">
               <a:rPr lang="en-US" dirty="0"/>
               <a:pPr/>
-              <a:t>2/11/19</a:t>
+              <a:t>2/12/19</a:t>
             </a:fld>
             <a:endParaRPr lang="en-US" dirty="0"/>
           </a:p>
@@ -951,7 +956,7 @@
             <a:fld id="{B61BEF0D-F0BB-DE4B-95CE-6DB70DBA9567}" type="datetimeFigureOut">
               <a:rPr lang="en-US" dirty="0"/>
               <a:pPr/>
-              <a:t>2/11/19</a:t>
+              <a:t>2/12/19</a:t>
             </a:fld>
             <a:endParaRPr lang="en-US" dirty="0"/>
           </a:p>
@@ -1516,7 +1521,7 @@
             <a:fld id="{B61BEF0D-F0BB-DE4B-95CE-6DB70DBA9567}" type="datetimeFigureOut">
               <a:rPr lang="en-US" dirty="0"/>
               <a:pPr/>
-              <a:t>2/11/19</a:t>
+              <a:t>2/12/19</a:t>
             </a:fld>
             <a:endParaRPr lang="en-US" dirty="0"/>
           </a:p>
@@ -1791,7 +1796,7 @@
             <a:fld id="{B61BEF0D-F0BB-DE4B-95CE-6DB70DBA9567}" type="datetimeFigureOut">
               <a:rPr lang="en-US" dirty="0"/>
               <a:pPr/>
-              <a:t>2/11/19</a:t>
+              <a:t>2/12/19</a:t>
             </a:fld>
             <a:endParaRPr lang="en-US" dirty="0"/>
           </a:p>
@@ -2350,7 +2355,7 @@
             <a:fld id="{B61BEF0D-F0BB-DE4B-95CE-6DB70DBA9567}" type="datetimeFigureOut">
               <a:rPr lang="en-US" dirty="0"/>
               <a:pPr/>
-              <a:t>2/11/19</a:t>
+              <a:t>2/12/19</a:t>
             </a:fld>
             <a:endParaRPr lang="en-US" dirty="0"/>
           </a:p>
@@ -2674,7 +2679,7 @@
             <a:fld id="{B61BEF0D-F0BB-DE4B-95CE-6DB70DBA9567}" type="datetimeFigureOut">
               <a:rPr lang="en-US" dirty="0"/>
               <a:pPr/>
-              <a:t>2/11/19</a:t>
+              <a:t>2/12/19</a:t>
             </a:fld>
             <a:endParaRPr lang="en-US" dirty="0"/>
           </a:p>
@@ -2848,7 +2853,7 @@
             <a:fld id="{B61BEF0D-F0BB-DE4B-95CE-6DB70DBA9567}" type="datetimeFigureOut">
               <a:rPr lang="en-US" dirty="0"/>
               <a:pPr/>
-              <a:t>2/11/19</a:t>
+              <a:t>2/12/19</a:t>
             </a:fld>
             <a:endParaRPr lang="en-US" dirty="0"/>
           </a:p>
@@ -3083,7 +3088,7 @@
             <a:fld id="{B61BEF0D-F0BB-DE4B-95CE-6DB70DBA9567}" type="datetimeFigureOut">
               <a:rPr lang="en-US" dirty="0"/>
               <a:pPr/>
-              <a:t>2/11/19</a:t>
+              <a:t>2/12/19</a:t>
             </a:fld>
             <a:endParaRPr lang="en-US" dirty="0"/>
           </a:p>
@@ -3280,7 +3285,7 @@
             <a:fld id="{B61BEF0D-F0BB-DE4B-95CE-6DB70DBA9567}" type="datetimeFigureOut">
               <a:rPr lang="en-US" dirty="0"/>
               <a:pPr/>
-              <a:t>2/11/19</a:t>
+              <a:t>2/12/19</a:t>
             </a:fld>
             <a:endParaRPr lang="en-US" dirty="0"/>
           </a:p>
@@ -3553,7 +3558,7 @@
             <a:fld id="{B61BEF0D-F0BB-DE4B-95CE-6DB70DBA9567}" type="datetimeFigureOut">
               <a:rPr lang="en-US" dirty="0"/>
               <a:pPr/>
-              <a:t>2/11/19</a:t>
+              <a:t>2/12/19</a:t>
             </a:fld>
             <a:endParaRPr lang="en-US" dirty="0"/>
           </a:p>
@@ -3816,7 +3821,7 @@
             <a:fld id="{B61BEF0D-F0BB-DE4B-95CE-6DB70DBA9567}" type="datetimeFigureOut">
               <a:rPr lang="en-US" dirty="0"/>
               <a:pPr/>
-              <a:t>2/11/19</a:t>
+              <a:t>2/12/19</a:t>
             </a:fld>
             <a:endParaRPr lang="en-US" dirty="0"/>
           </a:p>
@@ -4187,7 +4192,7 @@
             <a:fld id="{B61BEF0D-F0BB-DE4B-95CE-6DB70DBA9567}" type="datetimeFigureOut">
               <a:rPr lang="en-US" dirty="0"/>
               <a:pPr/>
-              <a:t>2/11/19</a:t>
+              <a:t>2/12/19</a:t>
             </a:fld>
             <a:endParaRPr lang="en-US" dirty="0"/>
           </a:p>
@@ -4332,7 +4337,7 @@
             <a:fld id="{B61BEF0D-F0BB-DE4B-95CE-6DB70DBA9567}" type="datetimeFigureOut">
               <a:rPr lang="en-US" dirty="0"/>
               <a:pPr/>
-              <a:t>2/11/19</a:t>
+              <a:t>2/12/19</a:t>
             </a:fld>
             <a:endParaRPr lang="en-US" dirty="0"/>
           </a:p>
@@ -4454,7 +4459,7 @@
             <a:fld id="{B61BEF0D-F0BB-DE4B-95CE-6DB70DBA9567}" type="datetimeFigureOut">
               <a:rPr lang="en-US" dirty="0"/>
               <a:pPr/>
-              <a:t>2/11/19</a:t>
+              <a:t>2/12/19</a:t>
             </a:fld>
             <a:endParaRPr lang="en-US" dirty="0"/>
           </a:p>
@@ -4736,7 +4741,7 @@
             <a:fld id="{B61BEF0D-F0BB-DE4B-95CE-6DB70DBA9567}" type="datetimeFigureOut">
               <a:rPr lang="en-US" dirty="0"/>
               <a:pPr/>
-              <a:t>2/11/19</a:t>
+              <a:t>2/12/19</a:t>
             </a:fld>
             <a:endParaRPr lang="en-US" dirty="0"/>
           </a:p>
@@ -5057,7 +5062,7 @@
             <a:fld id="{B61BEF0D-F0BB-DE4B-95CE-6DB70DBA9567}" type="datetimeFigureOut">
               <a:rPr lang="en-US" dirty="0"/>
               <a:pPr/>
-              <a:t>2/11/19</a:t>
+              <a:t>2/12/19</a:t>
             </a:fld>
             <a:endParaRPr lang="en-US" dirty="0"/>
           </a:p>
@@ -5268,7 +5273,7 @@
             <a:fld id="{B61BEF0D-F0BB-DE4B-95CE-6DB70DBA9567}" type="datetimeFigureOut">
               <a:rPr lang="en-US" dirty="0"/>
               <a:pPr/>
-              <a:t>2/11/19</a:t>
+              <a:t>2/12/19</a:t>
             </a:fld>
             <a:endParaRPr lang="en-US" dirty="0"/>
           </a:p>
@@ -6840,11 +6845,12 @@
           </a:bodyPr>
           <a:lstStyle/>
           <a:p>
+            <a:pPr algn="ctr"/>
             <a:r>
               <a:rPr lang="en-US" sz="2400" dirty="0">
                 <a:latin typeface="VCR OSD Mono" panose="02000609000000000000" pitchFamily="49" charset="0"/>
               </a:rPr>
-              <a:t>This list it not exhaustive. As with everything this list will grow and evolve as the software itself evolves.</a:t>
+              <a:t>This list is not exhaustive. As with everything this list will grow and evolve as the software itself evolves.</a:t>
             </a:r>
           </a:p>
         </p:txBody>
@@ -7136,59 +7142,36 @@
           <a:chExt cx="0" cy="0"/>
         </a:xfrm>
       </p:grpSpPr>
-      <p:sp>
-        <p:nvSpPr>
-          <p:cNvPr id="2" name="Title 1">
+      <p:pic>
+        <p:nvPicPr>
+          <p:cNvPr id="7" name="Picture 6">
             <a:extLst>
               <a:ext uri="{FF2B5EF4-FFF2-40B4-BE49-F238E27FC236}">
-                <a16:creationId xmlns:a16="http://schemas.microsoft.com/office/drawing/2014/main" id="{24518681-A24E-304D-9BBD-81747786C1EB}"/>
+                <a16:creationId xmlns:a16="http://schemas.microsoft.com/office/drawing/2014/main" id="{3BE3EE35-A0F4-174D-BE61-9B552A225BA6}"/>
               </a:ext>
             </a:extLst>
           </p:cNvPr>
-          <p:cNvSpPr>
-            <a:spLocks noGrp="1"/>
-          </p:cNvSpPr>
-          <p:nvPr>
-            <p:ph type="title"/>
-          </p:nvPr>
-        </p:nvSpPr>
-        <p:spPr/>
-        <p:txBody>
-          <a:bodyPr/>
-          <a:lstStyle/>
-          <a:p>
-            <a:r>
-              <a:rPr lang="en-US" dirty="0"/>
-              <a:t>wireframe</a:t>
-            </a:r>
-          </a:p>
-        </p:txBody>
-      </p:sp>
-      <p:sp>
-        <p:nvSpPr>
-          <p:cNvPr id="3" name="Content Placeholder 2">
-            <a:extLst>
-              <a:ext uri="{FF2B5EF4-FFF2-40B4-BE49-F238E27FC236}">
-                <a16:creationId xmlns:a16="http://schemas.microsoft.com/office/drawing/2014/main" id="{C9E5A4F0-79C7-8D40-8C84-98B2A8BC1BC3}"/>
-              </a:ext>
-            </a:extLst>
-          </p:cNvPr>
-          <p:cNvSpPr>
-            <a:spLocks noGrp="1"/>
-          </p:cNvSpPr>
-          <p:nvPr>
-            <p:ph idx="1"/>
-          </p:nvPr>
-        </p:nvSpPr>
-        <p:spPr/>
-        <p:txBody>
-          <a:bodyPr/>
-          <a:lstStyle/>
-          <a:p>
-            <a:endParaRPr lang="en-US"/>
-          </a:p>
-        </p:txBody>
-      </p:sp>
+          <p:cNvPicPr>
+            <a:picLocks noChangeAspect="1"/>
+          </p:cNvPicPr>
+          <p:nvPr/>
+        </p:nvPicPr>
+        <p:blipFill>
+          <a:blip r:embed="rId2"/>
+          <a:stretch>
+            <a:fillRect/>
+          </a:stretch>
+        </p:blipFill>
+        <p:spPr>
+          <a:xfrm>
+            <a:off x="2282687" y="353406"/>
+            <a:ext cx="7626626" cy="5920670"/>
+          </a:xfrm>
+          <a:prstGeom prst="rect">
+            <a:avLst/>
+          </a:prstGeom>
+        </p:spPr>
+      </p:pic>
     </p:spTree>
     <p:extLst>
       <p:ext uri="{BB962C8B-B14F-4D97-AF65-F5344CB8AC3E}">

--- a/Iteration-1/Iteration Presentation.pptx
+++ b/Iteration-1/Iteration Presentation.pptx
@@ -5889,19 +5889,7 @@
               <a:rPr lang="en-US" sz="1100" dirty="0">
                 <a:latin typeface="VCR OSD Mono" panose="02000609000000000000" pitchFamily="49" charset="0"/>
               </a:rPr>
-              <a:t>Matthew Darby, Maggie Burton, Weston Straw, Mark Du, </a:t>
-            </a:r>
-            <a:r>
-              <a:rPr lang="en-US" sz="1100" i="1" dirty="0">
-                <a:latin typeface="VCR OSD Mono" panose="02000609000000000000" pitchFamily="49" charset="0"/>
-              </a:rPr>
-              <a:t>Andrew Case</a:t>
-            </a:r>
-            <a:r>
-              <a:rPr lang="en-US" sz="1100" dirty="0">
-                <a:latin typeface="VCR OSD Mono" panose="02000609000000000000" pitchFamily="49" charset="0"/>
-              </a:rPr>
-              <a:t>, Stevie Damrel</a:t>
+              <a:t>Matthew Darby, Maggie Burton, Weston Straw, Mark Du, Andrew Case, Stevie Damrel</a:t>
             </a:r>
           </a:p>
         </p:txBody>

--- a/Iteration-1/Iteration Presentation.pptx
+++ b/Iteration-1/Iteration Presentation.pptx
@@ -6,14 +6,15 @@
   </p:sldMasterIdLst>
   <p:sldIdLst>
     <p:sldId id="256" r:id="rId2"/>
-    <p:sldId id="257" r:id="rId3"/>
-    <p:sldId id="263" r:id="rId4"/>
-    <p:sldId id="264" r:id="rId5"/>
-    <p:sldId id="258" r:id="rId6"/>
-    <p:sldId id="259" r:id="rId7"/>
-    <p:sldId id="260" r:id="rId8"/>
-    <p:sldId id="262" r:id="rId9"/>
-    <p:sldId id="261" r:id="rId10"/>
+    <p:sldId id="265" r:id="rId3"/>
+    <p:sldId id="257" r:id="rId4"/>
+    <p:sldId id="263" r:id="rId5"/>
+    <p:sldId id="264" r:id="rId6"/>
+    <p:sldId id="258" r:id="rId7"/>
+    <p:sldId id="259" r:id="rId8"/>
+    <p:sldId id="260" r:id="rId9"/>
+    <p:sldId id="262" r:id="rId10"/>
+    <p:sldId id="261" r:id="rId11"/>
   </p:sldIdLst>
   <p:sldSz cx="12192000" cy="6858000"/>
   <p:notesSz cx="6858000" cy="9144000"/>
@@ -5907,7 +5908,164 @@
 </p:sld>
 </file>
 
+<file path=ppt/slides/slide10.xml><?xml version="1.0" encoding="utf-8"?>
+<p:sld xmlns:a="http://schemas.openxmlformats.org/drawingml/2006/main" xmlns:r="http://schemas.openxmlformats.org/officeDocument/2006/relationships" xmlns:p="http://schemas.openxmlformats.org/presentationml/2006/main">
+  <p:cSld>
+    <p:spTree>
+      <p:nvGrpSpPr>
+        <p:cNvPr id="1" name=""/>
+        <p:cNvGrpSpPr/>
+        <p:nvPr/>
+      </p:nvGrpSpPr>
+      <p:grpSpPr>
+        <a:xfrm>
+          <a:off x="0" y="0"/>
+          <a:ext cx="0" cy="0"/>
+          <a:chOff x="0" y="0"/>
+          <a:chExt cx="0" cy="0"/>
+        </a:xfrm>
+      </p:grpSpPr>
+      <p:pic>
+        <p:nvPicPr>
+          <p:cNvPr id="7" name="Picture 6">
+            <a:extLst>
+              <a:ext uri="{FF2B5EF4-FFF2-40B4-BE49-F238E27FC236}">
+                <a16:creationId xmlns:a16="http://schemas.microsoft.com/office/drawing/2014/main" id="{3BE3EE35-A0F4-174D-BE61-9B552A225BA6}"/>
+              </a:ext>
+            </a:extLst>
+          </p:cNvPr>
+          <p:cNvPicPr>
+            <a:picLocks noChangeAspect="1"/>
+          </p:cNvPicPr>
+          <p:nvPr/>
+        </p:nvPicPr>
+        <p:blipFill>
+          <a:blip r:embed="rId2"/>
+          <a:stretch>
+            <a:fillRect/>
+          </a:stretch>
+        </p:blipFill>
+        <p:spPr>
+          <a:xfrm>
+            <a:off x="2282687" y="353406"/>
+            <a:ext cx="7626626" cy="5920670"/>
+          </a:xfrm>
+          <a:prstGeom prst="rect">
+            <a:avLst/>
+          </a:prstGeom>
+        </p:spPr>
+      </p:pic>
+    </p:spTree>
+    <p:extLst>
+      <p:ext uri="{BB962C8B-B14F-4D97-AF65-F5344CB8AC3E}">
+        <p14:creationId xmlns:p14="http://schemas.microsoft.com/office/powerpoint/2010/main" val="1494503666"/>
+      </p:ext>
+    </p:extLst>
+  </p:cSld>
+  <p:clrMapOvr>
+    <a:masterClrMapping/>
+  </p:clrMapOvr>
+</p:sld>
+</file>
+
 <file path=ppt/slides/slide2.xml><?xml version="1.0" encoding="utf-8"?>
+<p:sld xmlns:a="http://schemas.openxmlformats.org/drawingml/2006/main" xmlns:r="http://schemas.openxmlformats.org/officeDocument/2006/relationships" xmlns:p="http://schemas.openxmlformats.org/presentationml/2006/main">
+  <p:cSld>
+    <p:spTree>
+      <p:nvGrpSpPr>
+        <p:cNvPr id="1" name=""/>
+        <p:cNvGrpSpPr/>
+        <p:nvPr/>
+      </p:nvGrpSpPr>
+      <p:grpSpPr>
+        <a:xfrm>
+          <a:off x="0" y="0"/>
+          <a:ext cx="0" cy="0"/>
+          <a:chOff x="0" y="0"/>
+          <a:chExt cx="0" cy="0"/>
+        </a:xfrm>
+      </p:grpSpPr>
+      <p:sp>
+        <p:nvSpPr>
+          <p:cNvPr id="2" name="Title 1">
+            <a:extLst>
+              <a:ext uri="{FF2B5EF4-FFF2-40B4-BE49-F238E27FC236}">
+                <a16:creationId xmlns:a16="http://schemas.microsoft.com/office/drawing/2014/main" id="{8A15E44B-8D52-2942-B951-9B44BA75ABEA}"/>
+              </a:ext>
+            </a:extLst>
+          </p:cNvPr>
+          <p:cNvSpPr>
+            <a:spLocks noGrp="1"/>
+          </p:cNvSpPr>
+          <p:nvPr>
+            <p:ph type="title"/>
+          </p:nvPr>
+        </p:nvSpPr>
+        <p:spPr/>
+        <p:txBody>
+          <a:bodyPr/>
+          <a:lstStyle/>
+          <a:p>
+            <a:r>
+              <a:rPr lang="en-US" dirty="0"/>
+              <a:t>Website</a:t>
+            </a:r>
+          </a:p>
+        </p:txBody>
+      </p:sp>
+      <p:sp>
+        <p:nvSpPr>
+          <p:cNvPr id="3" name="Content Placeholder 2">
+            <a:extLst>
+              <a:ext uri="{FF2B5EF4-FFF2-40B4-BE49-F238E27FC236}">
+                <a16:creationId xmlns:a16="http://schemas.microsoft.com/office/drawing/2014/main" id="{AAC4512B-95DB-5A4C-B101-568EB1D24424}"/>
+              </a:ext>
+            </a:extLst>
+          </p:cNvPr>
+          <p:cNvSpPr>
+            <a:spLocks noGrp="1"/>
+          </p:cNvSpPr>
+          <p:nvPr>
+            <p:ph idx="1"/>
+          </p:nvPr>
+        </p:nvSpPr>
+        <p:spPr/>
+        <p:txBody>
+          <a:bodyPr/>
+          <a:lstStyle/>
+          <a:p>
+            <a:pPr marL="0" indent="0">
+              <a:buNone/>
+            </a:pPr>
+            <a:r>
+              <a:rPr lang="en-US" dirty="0"/>
+              <a:t>https://</a:t>
+            </a:r>
+            <a:r>
+              <a:rPr lang="en-US" dirty="0" err="1"/>
+              <a:t>baylorsailor.github.io</a:t>
+            </a:r>
+            <a:r>
+              <a:rPr lang="en-US" dirty="0"/>
+              <a:t>/C.A.R./site</a:t>
+            </a:r>
+          </a:p>
+        </p:txBody>
+      </p:sp>
+    </p:spTree>
+    <p:extLst>
+      <p:ext uri="{BB962C8B-B14F-4D97-AF65-F5344CB8AC3E}">
+        <p14:creationId xmlns:p14="http://schemas.microsoft.com/office/powerpoint/2010/main" val="1049443972"/>
+      </p:ext>
+    </p:extLst>
+  </p:cSld>
+  <p:clrMapOvr>
+    <a:masterClrMapping/>
+  </p:clrMapOvr>
+</p:sld>
+</file>
+
+<file path=ppt/slides/slide3.xml><?xml version="1.0" encoding="utf-8"?>
 <p:sld xmlns:a="http://schemas.openxmlformats.org/drawingml/2006/main" xmlns:r="http://schemas.openxmlformats.org/officeDocument/2006/relationships" xmlns:p="http://schemas.openxmlformats.org/presentationml/2006/main">
   <p:cSld>
     <p:spTree>
@@ -6118,7 +6276,7 @@
 </p:sld>
 </file>
 
-<file path=ppt/slides/slide3.xml><?xml version="1.0" encoding="utf-8"?>
+<file path=ppt/slides/slide4.xml><?xml version="1.0" encoding="utf-8"?>
 <p:sld xmlns:a="http://schemas.openxmlformats.org/drawingml/2006/main" xmlns:r="http://schemas.openxmlformats.org/officeDocument/2006/relationships" xmlns:p="http://schemas.openxmlformats.org/presentationml/2006/main">
   <p:cSld>
     <p:spTree>
@@ -6208,7 +6366,7 @@
 </p:sld>
 </file>
 
-<file path=ppt/slides/slide4.xml><?xml version="1.0" encoding="utf-8"?>
+<file path=ppt/slides/slide5.xml><?xml version="1.0" encoding="utf-8"?>
 <p:sld xmlns:a="http://schemas.openxmlformats.org/drawingml/2006/main" xmlns:r="http://schemas.openxmlformats.org/officeDocument/2006/relationships" xmlns:p="http://schemas.openxmlformats.org/presentationml/2006/main">
   <p:cSld>
     <p:spTree>
@@ -6328,7 +6486,7 @@
 </p:sld>
 </file>
 
-<file path=ppt/slides/slide5.xml><?xml version="1.0" encoding="utf-8"?>
+<file path=ppt/slides/slide6.xml><?xml version="1.0" encoding="utf-8"?>
 <p:sld xmlns:a="http://schemas.openxmlformats.org/drawingml/2006/main" xmlns:r="http://schemas.openxmlformats.org/officeDocument/2006/relationships" xmlns:p="http://schemas.openxmlformats.org/presentationml/2006/main">
   <p:cSld>
     <p:spTree>
@@ -6758,7 +6916,7 @@
 </p:sld>
 </file>
 
-<file path=ppt/slides/slide6.xml><?xml version="1.0" encoding="utf-8"?>
+<file path=ppt/slides/slide7.xml><?xml version="1.0" encoding="utf-8"?>
 <p:sld xmlns:a="http://schemas.openxmlformats.org/drawingml/2006/main" xmlns:r="http://schemas.openxmlformats.org/officeDocument/2006/relationships" xmlns:p="http://schemas.openxmlformats.org/presentationml/2006/main">
   <p:cSld>
     <p:spTree>
@@ -6856,7 +7014,7 @@
 </p:sld>
 </file>
 
-<file path=ppt/slides/slide7.xml><?xml version="1.0" encoding="utf-8"?>
+<file path=ppt/slides/slide8.xml><?xml version="1.0" encoding="utf-8"?>
 <p:sld xmlns:a="http://schemas.openxmlformats.org/drawingml/2006/main" xmlns:r="http://schemas.openxmlformats.org/officeDocument/2006/relationships" xmlns:p="http://schemas.openxmlformats.org/presentationml/2006/main">
   <p:cSld>
     <p:spTree>
@@ -6944,175 +7102,6 @@
 </p:sld>
 </file>
 
-<file path=ppt/slides/slide8.xml><?xml version="1.0" encoding="utf-8"?>
-<p:sld xmlns:a="http://schemas.openxmlformats.org/drawingml/2006/main" xmlns:r="http://schemas.openxmlformats.org/officeDocument/2006/relationships" xmlns:p="http://schemas.openxmlformats.org/presentationml/2006/main">
-  <p:cSld>
-    <p:spTree>
-      <p:nvGrpSpPr>
-        <p:cNvPr id="1" name=""/>
-        <p:cNvGrpSpPr/>
-        <p:nvPr/>
-      </p:nvGrpSpPr>
-      <p:grpSpPr>
-        <a:xfrm>
-          <a:off x="0" y="0"/>
-          <a:ext cx="0" cy="0"/>
-          <a:chOff x="0" y="0"/>
-          <a:chExt cx="0" cy="0"/>
-        </a:xfrm>
-      </p:grpSpPr>
-      <p:sp>
-        <p:nvSpPr>
-          <p:cNvPr id="16" name="Rectangle 15">
-            <a:extLst>
-              <a:ext uri="{FF2B5EF4-FFF2-40B4-BE49-F238E27FC236}">
-                <a16:creationId xmlns:a16="http://schemas.microsoft.com/office/drawing/2014/main" id="{D3B92970-813A-9341-A07A-49BD1F797F09}"/>
-              </a:ext>
-            </a:extLst>
-          </p:cNvPr>
-          <p:cNvSpPr/>
-          <p:nvPr/>
-        </p:nvSpPr>
-        <p:spPr>
-          <a:xfrm>
-            <a:off x="135924" y="111211"/>
-            <a:ext cx="10317892" cy="3447535"/>
-          </a:xfrm>
-          <a:prstGeom prst="rect">
-            <a:avLst/>
-          </a:prstGeom>
-          <a:solidFill>
-            <a:schemeClr val="accent2">
-              <a:lumMod val="60000"/>
-              <a:lumOff val="40000"/>
-            </a:schemeClr>
-          </a:solidFill>
-        </p:spPr>
-        <p:style>
-          <a:lnRef idx="2">
-            <a:schemeClr val="accent1">
-              <a:shade val="50000"/>
-            </a:schemeClr>
-          </a:lnRef>
-          <a:fillRef idx="1">
-            <a:schemeClr val="accent1"/>
-          </a:fillRef>
-          <a:effectRef idx="0">
-            <a:schemeClr val="accent1"/>
-          </a:effectRef>
-          <a:fontRef idx="minor">
-            <a:schemeClr val="lt1"/>
-          </a:fontRef>
-        </p:style>
-        <p:txBody>
-          <a:bodyPr rtlCol="0" anchor="ctr"/>
-          <a:lstStyle/>
-          <a:p>
-            <a:pPr algn="ctr"/>
-            <a:endParaRPr lang="en-US"/>
-          </a:p>
-        </p:txBody>
-      </p:sp>
-      <p:pic>
-        <p:nvPicPr>
-          <p:cNvPr id="15" name="Picture 14">
-            <a:extLst>
-              <a:ext uri="{FF2B5EF4-FFF2-40B4-BE49-F238E27FC236}">
-                <a16:creationId xmlns:a16="http://schemas.microsoft.com/office/drawing/2014/main" id="{D588576D-5662-B44B-8B5A-294FEA3989F2}"/>
-              </a:ext>
-            </a:extLst>
-          </p:cNvPr>
-          <p:cNvPicPr>
-            <a:picLocks noChangeAspect="1"/>
-          </p:cNvPicPr>
-          <p:nvPr/>
-        </p:nvPicPr>
-        <p:blipFill rotWithShape="1">
-          <a:blip r:embed="rId2"/>
-          <a:srcRect l="8864" t="10724" r="56251" b="41740"/>
-          <a:stretch/>
-        </p:blipFill>
-        <p:spPr>
-          <a:xfrm>
-            <a:off x="8514358" y="216243"/>
-            <a:ext cx="1814862" cy="3200400"/>
-          </a:xfrm>
-          <a:prstGeom prst="rect">
-            <a:avLst/>
-          </a:prstGeom>
-        </p:spPr>
-      </p:pic>
-      <p:pic>
-        <p:nvPicPr>
-          <p:cNvPr id="13" name="Picture 12">
-            <a:extLst>
-              <a:ext uri="{FF2B5EF4-FFF2-40B4-BE49-F238E27FC236}">
-                <a16:creationId xmlns:a16="http://schemas.microsoft.com/office/drawing/2014/main" id="{CFE68FFC-2D57-7345-B445-EE0F7A87210A}"/>
-              </a:ext>
-            </a:extLst>
-          </p:cNvPr>
-          <p:cNvPicPr>
-            <a:picLocks noChangeAspect="1"/>
-          </p:cNvPicPr>
-          <p:nvPr/>
-        </p:nvPicPr>
-        <p:blipFill rotWithShape="1">
-          <a:blip r:embed="rId3"/>
-          <a:srcRect l="9099" t="10724" r="13817" b="42610"/>
-          <a:stretch/>
-        </p:blipFill>
-        <p:spPr>
-          <a:xfrm>
-            <a:off x="4429375" y="216243"/>
-            <a:ext cx="4084983" cy="3200400"/>
-          </a:xfrm>
-          <a:prstGeom prst="rect">
-            <a:avLst/>
-          </a:prstGeom>
-        </p:spPr>
-      </p:pic>
-      <p:pic>
-        <p:nvPicPr>
-          <p:cNvPr id="11" name="Picture 10">
-            <a:extLst>
-              <a:ext uri="{FF2B5EF4-FFF2-40B4-BE49-F238E27FC236}">
-                <a16:creationId xmlns:a16="http://schemas.microsoft.com/office/drawing/2014/main" id="{5C2948CC-BC30-C441-BD12-FD1FC884D787}"/>
-              </a:ext>
-            </a:extLst>
-          </p:cNvPr>
-          <p:cNvPicPr>
-            <a:picLocks noChangeAspect="1"/>
-          </p:cNvPicPr>
-          <p:nvPr/>
-        </p:nvPicPr>
-        <p:blipFill rotWithShape="1">
-          <a:blip r:embed="rId4"/>
-          <a:srcRect l="10502" t="10870" r="10537" b="41594"/>
-          <a:stretch/>
-        </p:blipFill>
-        <p:spPr>
-          <a:xfrm>
-            <a:off x="321545" y="228600"/>
-            <a:ext cx="4107830" cy="3200400"/>
-          </a:xfrm>
-          <a:prstGeom prst="rect">
-            <a:avLst/>
-          </a:prstGeom>
-        </p:spPr>
-      </p:pic>
-    </p:spTree>
-    <p:extLst>
-      <p:ext uri="{BB962C8B-B14F-4D97-AF65-F5344CB8AC3E}">
-        <p14:creationId xmlns:p14="http://schemas.microsoft.com/office/powerpoint/2010/main" val="3384690365"/>
-      </p:ext>
-    </p:extLst>
-  </p:cSld>
-  <p:clrMapOvr>
-    <a:masterClrMapping/>
-  </p:clrMapOvr>
-</p:sld>
-</file>
-
 <file path=ppt/slides/slide9.xml><?xml version="1.0" encoding="utf-8"?>
 <p:sld xmlns:a="http://schemas.openxmlformats.org/drawingml/2006/main" xmlns:r="http://schemas.openxmlformats.org/officeDocument/2006/relationships" xmlns:p="http://schemas.openxmlformats.org/presentationml/2006/main">
   <p:cSld>
@@ -7130,12 +7119,64 @@
           <a:chExt cx="0" cy="0"/>
         </a:xfrm>
       </p:grpSpPr>
+      <p:sp>
+        <p:nvSpPr>
+          <p:cNvPr id="16" name="Rectangle 15">
+            <a:extLst>
+              <a:ext uri="{FF2B5EF4-FFF2-40B4-BE49-F238E27FC236}">
+                <a16:creationId xmlns:a16="http://schemas.microsoft.com/office/drawing/2014/main" id="{D3B92970-813A-9341-A07A-49BD1F797F09}"/>
+              </a:ext>
+            </a:extLst>
+          </p:cNvPr>
+          <p:cNvSpPr/>
+          <p:nvPr/>
+        </p:nvSpPr>
+        <p:spPr>
+          <a:xfrm>
+            <a:off x="135924" y="111211"/>
+            <a:ext cx="10317892" cy="3447535"/>
+          </a:xfrm>
+          <a:prstGeom prst="rect">
+            <a:avLst/>
+          </a:prstGeom>
+          <a:solidFill>
+            <a:schemeClr val="accent2">
+              <a:lumMod val="60000"/>
+              <a:lumOff val="40000"/>
+            </a:schemeClr>
+          </a:solidFill>
+        </p:spPr>
+        <p:style>
+          <a:lnRef idx="2">
+            <a:schemeClr val="accent1">
+              <a:shade val="50000"/>
+            </a:schemeClr>
+          </a:lnRef>
+          <a:fillRef idx="1">
+            <a:schemeClr val="accent1"/>
+          </a:fillRef>
+          <a:effectRef idx="0">
+            <a:schemeClr val="accent1"/>
+          </a:effectRef>
+          <a:fontRef idx="minor">
+            <a:schemeClr val="lt1"/>
+          </a:fontRef>
+        </p:style>
+        <p:txBody>
+          <a:bodyPr rtlCol="0" anchor="ctr"/>
+          <a:lstStyle/>
+          <a:p>
+            <a:pPr algn="ctr"/>
+            <a:endParaRPr lang="en-US"/>
+          </a:p>
+        </p:txBody>
+      </p:sp>
       <p:pic>
         <p:nvPicPr>
-          <p:cNvPr id="7" name="Picture 6">
+          <p:cNvPr id="3" name="Picture 2">
             <a:extLst>
               <a:ext uri="{FF2B5EF4-FFF2-40B4-BE49-F238E27FC236}">
-                <a16:creationId xmlns:a16="http://schemas.microsoft.com/office/drawing/2014/main" id="{3BE3EE35-A0F4-174D-BE61-9B552A225BA6}"/>
+                <a16:creationId xmlns:a16="http://schemas.microsoft.com/office/drawing/2014/main" id="{CAD1DF51-1568-2F40-BA36-F14439BDDE43}"/>
               </a:ext>
             </a:extLst>
           </p:cNvPr>
@@ -7152,8 +7193,8 @@
         </p:blipFill>
         <p:spPr>
           <a:xfrm>
-            <a:off x="2282687" y="353406"/>
-            <a:ext cx="7626626" cy="5920670"/>
+            <a:off x="238382" y="167055"/>
+            <a:ext cx="10112976" cy="3335845"/>
           </a:xfrm>
           <a:prstGeom prst="rect">
             <a:avLst/>
@@ -7163,7 +7204,7 @@
     </p:spTree>
     <p:extLst>
       <p:ext uri="{BB962C8B-B14F-4D97-AF65-F5344CB8AC3E}">
-        <p14:creationId xmlns:p14="http://schemas.microsoft.com/office/powerpoint/2010/main" val="1494503666"/>
+        <p14:creationId xmlns:p14="http://schemas.microsoft.com/office/powerpoint/2010/main" val="3384690365"/>
       </p:ext>
     </p:extLst>
   </p:cSld>

--- a/Iteration-1/Iteration Presentation.pptx
+++ b/Iteration-1/Iteration Presentation.pptx
@@ -6,15 +6,13 @@
   </p:sldMasterIdLst>
   <p:sldIdLst>
     <p:sldId id="256" r:id="rId2"/>
-    <p:sldId id="265" r:id="rId3"/>
-    <p:sldId id="257" r:id="rId4"/>
-    <p:sldId id="263" r:id="rId5"/>
-    <p:sldId id="264" r:id="rId6"/>
-    <p:sldId id="258" r:id="rId7"/>
-    <p:sldId id="259" r:id="rId8"/>
-    <p:sldId id="260" r:id="rId9"/>
-    <p:sldId id="262" r:id="rId10"/>
-    <p:sldId id="261" r:id="rId11"/>
+    <p:sldId id="257" r:id="rId3"/>
+    <p:sldId id="258" r:id="rId4"/>
+    <p:sldId id="259" r:id="rId5"/>
+    <p:sldId id="260" r:id="rId6"/>
+    <p:sldId id="262" r:id="rId7"/>
+    <p:sldId id="261" r:id="rId8"/>
+    <p:sldId id="265" r:id="rId9"/>
   </p:sldIdLst>
   <p:sldSz cx="12192000" cy="6858000"/>
   <p:notesSz cx="6858000" cy="9144000"/>
@@ -5908,7 +5906,7 @@
 </p:sld>
 </file>
 
-<file path=ppt/slides/slide10.xml><?xml version="1.0" encoding="utf-8"?>
+<file path=ppt/slides/slide2.xml><?xml version="1.0" encoding="utf-8"?>
 <p:sld xmlns:a="http://schemas.openxmlformats.org/drawingml/2006/main" xmlns:r="http://schemas.openxmlformats.org/officeDocument/2006/relationships" xmlns:p="http://schemas.openxmlformats.org/presentationml/2006/main">
   <p:cSld>
     <p:spTree>
@@ -5927,10 +5925,10 @@
       </p:grpSpPr>
       <p:pic>
         <p:nvPicPr>
-          <p:cNvPr id="7" name="Picture 6">
+          <p:cNvPr id="12" name="Picture 11">
             <a:extLst>
               <a:ext uri="{FF2B5EF4-FFF2-40B4-BE49-F238E27FC236}">
-                <a16:creationId xmlns:a16="http://schemas.microsoft.com/office/drawing/2014/main" id="{3BE3EE35-A0F4-174D-BE61-9B552A225BA6}"/>
+                <a16:creationId xmlns:a16="http://schemas.microsoft.com/office/drawing/2014/main" id="{43732719-427D-CD47-A4C7-C2B52A490785}"/>
               </a:ext>
             </a:extLst>
           </p:cNvPr>
@@ -5947,177 +5945,20 @@
         </p:blipFill>
         <p:spPr>
           <a:xfrm>
-            <a:off x="2282687" y="353406"/>
-            <a:ext cx="7626626" cy="5920670"/>
+            <a:off x="4915557" y="4633784"/>
+            <a:ext cx="3954162" cy="2224216"/>
           </a:xfrm>
           <a:prstGeom prst="rect">
             <a:avLst/>
           </a:prstGeom>
         </p:spPr>
       </p:pic>
-    </p:spTree>
-    <p:extLst>
-      <p:ext uri="{BB962C8B-B14F-4D97-AF65-F5344CB8AC3E}">
-        <p14:creationId xmlns:p14="http://schemas.microsoft.com/office/powerpoint/2010/main" val="1494503666"/>
-      </p:ext>
-    </p:extLst>
-  </p:cSld>
-  <p:clrMapOvr>
-    <a:masterClrMapping/>
-  </p:clrMapOvr>
-</p:sld>
-</file>
-
-<file path=ppt/slides/slide2.xml><?xml version="1.0" encoding="utf-8"?>
-<p:sld xmlns:a="http://schemas.openxmlformats.org/drawingml/2006/main" xmlns:r="http://schemas.openxmlformats.org/officeDocument/2006/relationships" xmlns:p="http://schemas.openxmlformats.org/presentationml/2006/main">
-  <p:cSld>
-    <p:spTree>
-      <p:nvGrpSpPr>
-        <p:cNvPr id="1" name=""/>
-        <p:cNvGrpSpPr/>
-        <p:nvPr/>
-      </p:nvGrpSpPr>
-      <p:grpSpPr>
-        <a:xfrm>
-          <a:off x="0" y="0"/>
-          <a:ext cx="0" cy="0"/>
-          <a:chOff x="0" y="0"/>
-          <a:chExt cx="0" cy="0"/>
-        </a:xfrm>
-      </p:grpSpPr>
-      <p:sp>
-        <p:nvSpPr>
-          <p:cNvPr id="2" name="Title 1">
+      <p:pic>
+        <p:nvPicPr>
+          <p:cNvPr id="3" name="Picture 2">
             <a:extLst>
               <a:ext uri="{FF2B5EF4-FFF2-40B4-BE49-F238E27FC236}">
-                <a16:creationId xmlns:a16="http://schemas.microsoft.com/office/drawing/2014/main" id="{8A15E44B-8D52-2942-B951-9B44BA75ABEA}"/>
-              </a:ext>
-            </a:extLst>
-          </p:cNvPr>
-          <p:cNvSpPr>
-            <a:spLocks noGrp="1"/>
-          </p:cNvSpPr>
-          <p:nvPr>
-            <p:ph type="title"/>
-          </p:nvPr>
-        </p:nvSpPr>
-        <p:spPr/>
-        <p:txBody>
-          <a:bodyPr/>
-          <a:lstStyle/>
-          <a:p>
-            <a:r>
-              <a:rPr lang="en-US" dirty="0"/>
-              <a:t>Website</a:t>
-            </a:r>
-          </a:p>
-        </p:txBody>
-      </p:sp>
-      <p:sp>
-        <p:nvSpPr>
-          <p:cNvPr id="3" name="Content Placeholder 2">
-            <a:extLst>
-              <a:ext uri="{FF2B5EF4-FFF2-40B4-BE49-F238E27FC236}">
-                <a16:creationId xmlns:a16="http://schemas.microsoft.com/office/drawing/2014/main" id="{AAC4512B-95DB-5A4C-B101-568EB1D24424}"/>
-              </a:ext>
-            </a:extLst>
-          </p:cNvPr>
-          <p:cNvSpPr>
-            <a:spLocks noGrp="1"/>
-          </p:cNvSpPr>
-          <p:nvPr>
-            <p:ph idx="1"/>
-          </p:nvPr>
-        </p:nvSpPr>
-        <p:spPr/>
-        <p:txBody>
-          <a:bodyPr/>
-          <a:lstStyle/>
-          <a:p>
-            <a:pPr marL="0" indent="0">
-              <a:buNone/>
-            </a:pPr>
-            <a:r>
-              <a:rPr lang="en-US" dirty="0"/>
-              <a:t>https://</a:t>
-            </a:r>
-            <a:r>
-              <a:rPr lang="en-US" dirty="0" err="1"/>
-              <a:t>baylorsailor.github.io</a:t>
-            </a:r>
-            <a:r>
-              <a:rPr lang="en-US" dirty="0"/>
-              <a:t>/C.A.R./site</a:t>
-            </a:r>
-          </a:p>
-        </p:txBody>
-      </p:sp>
-    </p:spTree>
-    <p:extLst>
-      <p:ext uri="{BB962C8B-B14F-4D97-AF65-F5344CB8AC3E}">
-        <p14:creationId xmlns:p14="http://schemas.microsoft.com/office/powerpoint/2010/main" val="1049443972"/>
-      </p:ext>
-    </p:extLst>
-  </p:cSld>
-  <p:clrMapOvr>
-    <a:masterClrMapping/>
-  </p:clrMapOvr>
-</p:sld>
-</file>
-
-<file path=ppt/slides/slide3.xml><?xml version="1.0" encoding="utf-8"?>
-<p:sld xmlns:a="http://schemas.openxmlformats.org/drawingml/2006/main" xmlns:r="http://schemas.openxmlformats.org/officeDocument/2006/relationships" xmlns:p="http://schemas.openxmlformats.org/presentationml/2006/main">
-  <p:cSld>
-    <p:spTree>
-      <p:nvGrpSpPr>
-        <p:cNvPr id="1" name=""/>
-        <p:cNvGrpSpPr/>
-        <p:nvPr/>
-      </p:nvGrpSpPr>
-      <p:grpSpPr>
-        <a:xfrm>
-          <a:off x="0" y="0"/>
-          <a:ext cx="0" cy="0"/>
-          <a:chOff x="0" y="0"/>
-          <a:chExt cx="0" cy="0"/>
-        </a:xfrm>
-      </p:grpSpPr>
-      <p:pic>
-        <p:nvPicPr>
-          <p:cNvPr id="10" name="Picture 9">
-            <a:extLst>
-              <a:ext uri="{FF2B5EF4-FFF2-40B4-BE49-F238E27FC236}">
-                <a16:creationId xmlns:a16="http://schemas.microsoft.com/office/drawing/2014/main" id="{16DAE7A1-E64D-AA4F-B8FE-77414A73D06D}"/>
-              </a:ext>
-            </a:extLst>
-          </p:cNvPr>
-          <p:cNvPicPr>
-            <a:picLocks noChangeAspect="1"/>
-          </p:cNvPicPr>
-          <p:nvPr/>
-        </p:nvPicPr>
-        <p:blipFill>
-          <a:blip r:embed="rId2"/>
-          <a:stretch>
-            <a:fillRect/>
-          </a:stretch>
-        </p:blipFill>
-        <p:spPr>
-          <a:xfrm>
-            <a:off x="0" y="0"/>
-            <a:ext cx="5299364" cy="6858000"/>
-          </a:xfrm>
-          <a:prstGeom prst="rect">
-            <a:avLst/>
-          </a:prstGeom>
-        </p:spPr>
-      </p:pic>
-      <p:pic>
-        <p:nvPicPr>
-          <p:cNvPr id="12" name="Picture 11">
-            <a:extLst>
-              <a:ext uri="{FF2B5EF4-FFF2-40B4-BE49-F238E27FC236}">
-                <a16:creationId xmlns:a16="http://schemas.microsoft.com/office/drawing/2014/main" id="{43732719-427D-CD47-A4C7-C2B52A490785}"/>
+                <a16:creationId xmlns:a16="http://schemas.microsoft.com/office/drawing/2014/main" id="{70FC6197-CC60-7145-9F4A-E876D26CD848}"/>
               </a:ext>
             </a:extLst>
           </p:cNvPr>
@@ -6134,8 +5975,8 @@
         </p:blipFill>
         <p:spPr>
           <a:xfrm>
-            <a:off x="4915557" y="4633784"/>
-            <a:ext cx="3954162" cy="2224216"/>
+            <a:off x="0" y="0"/>
+            <a:ext cx="5299364" cy="6858000"/>
           </a:xfrm>
           <a:prstGeom prst="rect">
             <a:avLst/>
@@ -6276,217 +6117,7 @@
 </p:sld>
 </file>
 
-<file path=ppt/slides/slide4.xml><?xml version="1.0" encoding="utf-8"?>
-<p:sld xmlns:a="http://schemas.openxmlformats.org/drawingml/2006/main" xmlns:r="http://schemas.openxmlformats.org/officeDocument/2006/relationships" xmlns:p="http://schemas.openxmlformats.org/presentationml/2006/main">
-  <p:cSld>
-    <p:spTree>
-      <p:nvGrpSpPr>
-        <p:cNvPr id="1" name=""/>
-        <p:cNvGrpSpPr/>
-        <p:nvPr/>
-      </p:nvGrpSpPr>
-      <p:grpSpPr>
-        <a:xfrm>
-          <a:off x="0" y="0"/>
-          <a:ext cx="0" cy="0"/>
-          <a:chOff x="0" y="0"/>
-          <a:chExt cx="0" cy="0"/>
-        </a:xfrm>
-      </p:grpSpPr>
-      <p:pic>
-        <p:nvPicPr>
-          <p:cNvPr id="5" name="Picture 4">
-            <a:extLst>
-              <a:ext uri="{FF2B5EF4-FFF2-40B4-BE49-F238E27FC236}">
-                <a16:creationId xmlns:a16="http://schemas.microsoft.com/office/drawing/2014/main" id="{84E81402-BDFF-834F-9C29-867A8D1A8727}"/>
-              </a:ext>
-            </a:extLst>
-          </p:cNvPr>
-          <p:cNvPicPr>
-            <a:picLocks noChangeAspect="1"/>
-          </p:cNvPicPr>
-          <p:nvPr/>
-        </p:nvPicPr>
-        <p:blipFill>
-          <a:blip r:embed="rId2"/>
-          <a:stretch>
-            <a:fillRect/>
-          </a:stretch>
-        </p:blipFill>
-        <p:spPr>
-          <a:xfrm>
-            <a:off x="0" y="0"/>
-            <a:ext cx="5299364" cy="6858000"/>
-          </a:xfrm>
-          <a:prstGeom prst="rect">
-            <a:avLst/>
-          </a:prstGeom>
-        </p:spPr>
-      </p:pic>
-      <p:pic>
-        <p:nvPicPr>
-          <p:cNvPr id="9" name="Picture 8">
-            <a:extLst>
-              <a:ext uri="{FF2B5EF4-FFF2-40B4-BE49-F238E27FC236}">
-                <a16:creationId xmlns:a16="http://schemas.microsoft.com/office/drawing/2014/main" id="{19751679-DEE0-5143-A793-F9DEC44AD542}"/>
-              </a:ext>
-            </a:extLst>
-          </p:cNvPr>
-          <p:cNvPicPr>
-            <a:picLocks noChangeAspect="1"/>
-          </p:cNvPicPr>
-          <p:nvPr/>
-        </p:nvPicPr>
-        <p:blipFill>
-          <a:blip r:embed="rId3"/>
-          <a:stretch>
-            <a:fillRect/>
-          </a:stretch>
-        </p:blipFill>
-        <p:spPr>
-          <a:xfrm>
-            <a:off x="8648700" y="4635500"/>
-            <a:ext cx="3543300" cy="2222500"/>
-          </a:xfrm>
-          <a:prstGeom prst="rect">
-            <a:avLst/>
-          </a:prstGeom>
-        </p:spPr>
-      </p:pic>
-    </p:spTree>
-    <p:extLst>
-      <p:ext uri="{BB962C8B-B14F-4D97-AF65-F5344CB8AC3E}">
-        <p14:creationId xmlns:p14="http://schemas.microsoft.com/office/powerpoint/2010/main" val="3938875656"/>
-      </p:ext>
-    </p:extLst>
-  </p:cSld>
-  <p:clrMapOvr>
-    <a:masterClrMapping/>
-  </p:clrMapOvr>
-</p:sld>
-</file>
-
-<file path=ppt/slides/slide5.xml><?xml version="1.0" encoding="utf-8"?>
-<p:sld xmlns:a="http://schemas.openxmlformats.org/drawingml/2006/main" xmlns:r="http://schemas.openxmlformats.org/officeDocument/2006/relationships" xmlns:p="http://schemas.openxmlformats.org/presentationml/2006/main">
-  <p:cSld>
-    <p:spTree>
-      <p:nvGrpSpPr>
-        <p:cNvPr id="1" name=""/>
-        <p:cNvGrpSpPr/>
-        <p:nvPr/>
-      </p:nvGrpSpPr>
-      <p:grpSpPr>
-        <a:xfrm>
-          <a:off x="0" y="0"/>
-          <a:ext cx="0" cy="0"/>
-          <a:chOff x="0" y="0"/>
-          <a:chExt cx="0" cy="0"/>
-        </a:xfrm>
-      </p:grpSpPr>
-      <p:pic>
-        <p:nvPicPr>
-          <p:cNvPr id="5" name="Picture 4">
-            <a:extLst>
-              <a:ext uri="{FF2B5EF4-FFF2-40B4-BE49-F238E27FC236}">
-                <a16:creationId xmlns:a16="http://schemas.microsoft.com/office/drawing/2014/main" id="{5FDE4679-10E2-5643-ACDF-66CFA3A2B450}"/>
-              </a:ext>
-            </a:extLst>
-          </p:cNvPr>
-          <p:cNvPicPr>
-            <a:picLocks noChangeAspect="1"/>
-          </p:cNvPicPr>
-          <p:nvPr/>
-        </p:nvPicPr>
-        <p:blipFill>
-          <a:blip r:embed="rId2"/>
-          <a:stretch>
-            <a:fillRect/>
-          </a:stretch>
-        </p:blipFill>
-        <p:spPr>
-          <a:xfrm>
-            <a:off x="0" y="0"/>
-            <a:ext cx="5299364" cy="6858000"/>
-          </a:xfrm>
-          <a:prstGeom prst="rect">
-            <a:avLst/>
-          </a:prstGeom>
-        </p:spPr>
-      </p:pic>
-      <p:pic>
-        <p:nvPicPr>
-          <p:cNvPr id="7" name="Picture 6">
-            <a:extLst>
-              <a:ext uri="{FF2B5EF4-FFF2-40B4-BE49-F238E27FC236}">
-                <a16:creationId xmlns:a16="http://schemas.microsoft.com/office/drawing/2014/main" id="{CEBEC4D4-F5BF-334A-985D-28A0C6F85080}"/>
-              </a:ext>
-            </a:extLst>
-          </p:cNvPr>
-          <p:cNvPicPr>
-            <a:picLocks noChangeAspect="1"/>
-          </p:cNvPicPr>
-          <p:nvPr/>
-        </p:nvPicPr>
-        <p:blipFill>
-          <a:blip r:embed="rId3"/>
-          <a:stretch>
-            <a:fillRect/>
-          </a:stretch>
-        </p:blipFill>
-        <p:spPr>
-          <a:xfrm>
-            <a:off x="9334500" y="5557108"/>
-            <a:ext cx="2857500" cy="1270000"/>
-          </a:xfrm>
-          <a:prstGeom prst="rect">
-            <a:avLst/>
-          </a:prstGeom>
-        </p:spPr>
-      </p:pic>
-      <p:pic>
-        <p:nvPicPr>
-          <p:cNvPr id="9" name="Picture 8">
-            <a:extLst>
-              <a:ext uri="{FF2B5EF4-FFF2-40B4-BE49-F238E27FC236}">
-                <a16:creationId xmlns:a16="http://schemas.microsoft.com/office/drawing/2014/main" id="{90C2B035-A7AF-1548-81B7-DC44F44E805A}"/>
-              </a:ext>
-            </a:extLst>
-          </p:cNvPr>
-          <p:cNvPicPr>
-            <a:picLocks noChangeAspect="1"/>
-          </p:cNvPicPr>
-          <p:nvPr/>
-        </p:nvPicPr>
-        <p:blipFill>
-          <a:blip r:embed="rId4"/>
-          <a:stretch>
-            <a:fillRect/>
-          </a:stretch>
-        </p:blipFill>
-        <p:spPr>
-          <a:xfrm>
-            <a:off x="6159500" y="3398108"/>
-            <a:ext cx="3175000" cy="2159000"/>
-          </a:xfrm>
-          <a:prstGeom prst="rect">
-            <a:avLst/>
-          </a:prstGeom>
-        </p:spPr>
-      </p:pic>
-    </p:spTree>
-    <p:extLst>
-      <p:ext uri="{BB962C8B-B14F-4D97-AF65-F5344CB8AC3E}">
-        <p14:creationId xmlns:p14="http://schemas.microsoft.com/office/powerpoint/2010/main" val="228925797"/>
-      </p:ext>
-    </p:extLst>
-  </p:cSld>
-  <p:clrMapOvr>
-    <a:masterClrMapping/>
-  </p:clrMapOvr>
-</p:sld>
-</file>
-
-<file path=ppt/slides/slide6.xml><?xml version="1.0" encoding="utf-8"?>
+<file path=ppt/slides/slide3.xml><?xml version="1.0" encoding="utf-8"?>
 <p:sld xmlns:a="http://schemas.openxmlformats.org/drawingml/2006/main" xmlns:r="http://schemas.openxmlformats.org/officeDocument/2006/relationships" xmlns:p="http://schemas.openxmlformats.org/presentationml/2006/main">
   <p:cSld>
     <p:spTree>
@@ -6916,7 +6547,7 @@
 </p:sld>
 </file>
 
-<file path=ppt/slides/slide7.xml><?xml version="1.0" encoding="utf-8"?>
+<file path=ppt/slides/slide4.xml><?xml version="1.0" encoding="utf-8"?>
 <p:sld xmlns:a="http://schemas.openxmlformats.org/drawingml/2006/main" xmlns:r="http://schemas.openxmlformats.org/officeDocument/2006/relationships" xmlns:p="http://schemas.openxmlformats.org/presentationml/2006/main">
   <p:cSld>
     <p:spTree>
@@ -7001,6 +6632,36 @@
           </a:p>
         </p:txBody>
       </p:sp>
+      <p:pic>
+        <p:nvPicPr>
+          <p:cNvPr id="4" name="Picture 3">
+            <a:extLst>
+              <a:ext uri="{FF2B5EF4-FFF2-40B4-BE49-F238E27FC236}">
+                <a16:creationId xmlns:a16="http://schemas.microsoft.com/office/drawing/2014/main" id="{EC949039-D34D-4743-91D8-F77B8BF1F94B}"/>
+              </a:ext>
+            </a:extLst>
+          </p:cNvPr>
+          <p:cNvPicPr>
+            <a:picLocks noChangeAspect="1"/>
+          </p:cNvPicPr>
+          <p:nvPr/>
+        </p:nvPicPr>
+        <p:blipFill>
+          <a:blip r:embed="rId3"/>
+          <a:stretch>
+            <a:fillRect/>
+          </a:stretch>
+        </p:blipFill>
+        <p:spPr>
+          <a:xfrm>
+            <a:off x="8648700" y="4635500"/>
+            <a:ext cx="3543300" cy="2222500"/>
+          </a:xfrm>
+          <a:prstGeom prst="rect">
+            <a:avLst/>
+          </a:prstGeom>
+        </p:spPr>
+      </p:pic>
     </p:spTree>
     <p:extLst>
       <p:ext uri="{BB962C8B-B14F-4D97-AF65-F5344CB8AC3E}">
@@ -7014,7 +6675,7 @@
 </p:sld>
 </file>
 
-<file path=ppt/slides/slide8.xml><?xml version="1.0" encoding="utf-8"?>
+<file path=ppt/slides/slide5.xml><?xml version="1.0" encoding="utf-8"?>
 <p:sld xmlns:a="http://schemas.openxmlformats.org/drawingml/2006/main" xmlns:r="http://schemas.openxmlformats.org/officeDocument/2006/relationships" xmlns:p="http://schemas.openxmlformats.org/presentationml/2006/main">
   <p:cSld>
     <p:spTree>
@@ -7047,13 +6708,13 @@
         </p:nvPicPr>
         <p:blipFill rotWithShape="1">
           <a:blip r:embed="rId2"/>
-          <a:srcRect t="7865"/>
+          <a:srcRect t="7864" b="49691"/>
           <a:stretch/>
         </p:blipFill>
         <p:spPr>
           <a:xfrm>
-            <a:off x="0" y="3002691"/>
-            <a:ext cx="9704934" cy="6318641"/>
+            <a:off x="0" y="927333"/>
+            <a:ext cx="9704934" cy="2910813"/>
           </a:xfrm>
           <a:prstGeom prst="rect">
             <a:avLst/>
@@ -7076,13 +6737,43 @@
         </p:nvPicPr>
         <p:blipFill rotWithShape="1">
           <a:blip r:embed="rId3"/>
-          <a:srcRect t="7991"/>
+          <a:srcRect t="7991" b="62944"/>
           <a:stretch/>
         </p:blipFill>
         <p:spPr>
           <a:xfrm>
-            <a:off x="-11081" y="5251622"/>
-            <a:ext cx="9716015" cy="5969656"/>
+            <a:off x="0" y="4389738"/>
+            <a:ext cx="9716015" cy="1885778"/>
+          </a:xfrm>
+          <a:prstGeom prst="rect">
+            <a:avLst/>
+          </a:prstGeom>
+        </p:spPr>
+      </p:pic>
+      <p:pic>
+        <p:nvPicPr>
+          <p:cNvPr id="5" name="Picture 4">
+            <a:extLst>
+              <a:ext uri="{FF2B5EF4-FFF2-40B4-BE49-F238E27FC236}">
+                <a16:creationId xmlns:a16="http://schemas.microsoft.com/office/drawing/2014/main" id="{4754E8AC-ED55-A14A-ACA0-D7EA5309C7D9}"/>
+              </a:ext>
+            </a:extLst>
+          </p:cNvPr>
+          <p:cNvPicPr>
+            <a:picLocks noChangeAspect="1"/>
+          </p:cNvPicPr>
+          <p:nvPr/>
+        </p:nvPicPr>
+        <p:blipFill>
+          <a:blip r:embed="rId4"/>
+          <a:stretch>
+            <a:fillRect/>
+          </a:stretch>
+        </p:blipFill>
+        <p:spPr>
+          <a:xfrm>
+            <a:off x="9017000" y="2382739"/>
+            <a:ext cx="3175000" cy="2159000"/>
           </a:xfrm>
           <a:prstGeom prst="rect">
             <a:avLst/>
@@ -7102,7 +6793,7 @@
 </p:sld>
 </file>
 
-<file path=ppt/slides/slide9.xml><?xml version="1.0" encoding="utf-8"?>
+<file path=ppt/slides/slide6.xml><?xml version="1.0" encoding="utf-8"?>
 <p:sld xmlns:a="http://schemas.openxmlformats.org/drawingml/2006/main" xmlns:r="http://schemas.openxmlformats.org/officeDocument/2006/relationships" xmlns:p="http://schemas.openxmlformats.org/presentationml/2006/main">
   <p:cSld>
     <p:spTree>
@@ -7133,7 +6824,7 @@
         </p:nvSpPr>
         <p:spPr>
           <a:xfrm>
-            <a:off x="135924" y="111211"/>
+            <a:off x="779391" y="1499745"/>
             <a:ext cx="10317892" cy="3447535"/>
           </a:xfrm>
           <a:prstGeom prst="rect">
@@ -7193,7 +6884,7 @@
         </p:blipFill>
         <p:spPr>
           <a:xfrm>
-            <a:off x="238382" y="167055"/>
+            <a:off x="881849" y="1555589"/>
             <a:ext cx="10112976" cy="3335845"/>
           </a:xfrm>
           <a:prstGeom prst="rect">
@@ -7205,6 +6896,195 @@
     <p:extLst>
       <p:ext uri="{BB962C8B-B14F-4D97-AF65-F5344CB8AC3E}">
         <p14:creationId xmlns:p14="http://schemas.microsoft.com/office/powerpoint/2010/main" val="3384690365"/>
+      </p:ext>
+    </p:extLst>
+  </p:cSld>
+  <p:clrMapOvr>
+    <a:masterClrMapping/>
+  </p:clrMapOvr>
+</p:sld>
+</file>
+
+<file path=ppt/slides/slide7.xml><?xml version="1.0" encoding="utf-8"?>
+<p:sld xmlns:a="http://schemas.openxmlformats.org/drawingml/2006/main" xmlns:r="http://schemas.openxmlformats.org/officeDocument/2006/relationships" xmlns:p="http://schemas.openxmlformats.org/presentationml/2006/main">
+  <p:cSld>
+    <p:spTree>
+      <p:nvGrpSpPr>
+        <p:cNvPr id="1" name=""/>
+        <p:cNvGrpSpPr/>
+        <p:nvPr/>
+      </p:nvGrpSpPr>
+      <p:grpSpPr>
+        <a:xfrm>
+          <a:off x="0" y="0"/>
+          <a:ext cx="0" cy="0"/>
+          <a:chOff x="0" y="0"/>
+          <a:chExt cx="0" cy="0"/>
+        </a:xfrm>
+      </p:grpSpPr>
+      <p:pic>
+        <p:nvPicPr>
+          <p:cNvPr id="7" name="Picture 6">
+            <a:extLst>
+              <a:ext uri="{FF2B5EF4-FFF2-40B4-BE49-F238E27FC236}">
+                <a16:creationId xmlns:a16="http://schemas.microsoft.com/office/drawing/2014/main" id="{3BE3EE35-A0F4-174D-BE61-9B552A225BA6}"/>
+              </a:ext>
+            </a:extLst>
+          </p:cNvPr>
+          <p:cNvPicPr>
+            <a:picLocks noChangeAspect="1"/>
+          </p:cNvPicPr>
+          <p:nvPr/>
+        </p:nvPicPr>
+        <p:blipFill>
+          <a:blip r:embed="rId2"/>
+          <a:stretch>
+            <a:fillRect/>
+          </a:stretch>
+        </p:blipFill>
+        <p:spPr>
+          <a:xfrm>
+            <a:off x="2282687" y="353406"/>
+            <a:ext cx="7626626" cy="5920670"/>
+          </a:xfrm>
+          <a:prstGeom prst="rect">
+            <a:avLst/>
+          </a:prstGeom>
+        </p:spPr>
+      </p:pic>
+    </p:spTree>
+    <p:extLst>
+      <p:ext uri="{BB962C8B-B14F-4D97-AF65-F5344CB8AC3E}">
+        <p14:creationId xmlns:p14="http://schemas.microsoft.com/office/powerpoint/2010/main" val="1494503666"/>
+      </p:ext>
+    </p:extLst>
+  </p:cSld>
+  <p:clrMapOvr>
+    <a:masterClrMapping/>
+  </p:clrMapOvr>
+</p:sld>
+</file>
+
+<file path=ppt/slides/slide8.xml><?xml version="1.0" encoding="utf-8"?>
+<p:sld xmlns:a="http://schemas.openxmlformats.org/drawingml/2006/main" xmlns:r="http://schemas.openxmlformats.org/officeDocument/2006/relationships" xmlns:p="http://schemas.openxmlformats.org/presentationml/2006/main">
+  <p:cSld>
+    <p:spTree>
+      <p:nvGrpSpPr>
+        <p:cNvPr id="1" name=""/>
+        <p:cNvGrpSpPr/>
+        <p:nvPr/>
+      </p:nvGrpSpPr>
+      <p:grpSpPr>
+        <a:xfrm>
+          <a:off x="0" y="0"/>
+          <a:ext cx="0" cy="0"/>
+          <a:chOff x="0" y="0"/>
+          <a:chExt cx="0" cy="0"/>
+        </a:xfrm>
+      </p:grpSpPr>
+      <p:sp>
+        <p:nvSpPr>
+          <p:cNvPr id="2" name="Title 1">
+            <a:extLst>
+              <a:ext uri="{FF2B5EF4-FFF2-40B4-BE49-F238E27FC236}">
+                <a16:creationId xmlns:a16="http://schemas.microsoft.com/office/drawing/2014/main" id="{8A15E44B-8D52-2942-B951-9B44BA75ABEA}"/>
+              </a:ext>
+            </a:extLst>
+          </p:cNvPr>
+          <p:cNvSpPr>
+            <a:spLocks noGrp="1"/>
+          </p:cNvSpPr>
+          <p:nvPr>
+            <p:ph type="title"/>
+          </p:nvPr>
+        </p:nvSpPr>
+        <p:spPr/>
+        <p:txBody>
+          <a:bodyPr/>
+          <a:lstStyle/>
+          <a:p>
+            <a:r>
+              <a:rPr lang="en-US" dirty="0"/>
+              <a:t>Website</a:t>
+            </a:r>
+          </a:p>
+        </p:txBody>
+      </p:sp>
+      <p:sp>
+        <p:nvSpPr>
+          <p:cNvPr id="3" name="Content Placeholder 2">
+            <a:extLst>
+              <a:ext uri="{FF2B5EF4-FFF2-40B4-BE49-F238E27FC236}">
+                <a16:creationId xmlns:a16="http://schemas.microsoft.com/office/drawing/2014/main" id="{AAC4512B-95DB-5A4C-B101-568EB1D24424}"/>
+              </a:ext>
+            </a:extLst>
+          </p:cNvPr>
+          <p:cNvSpPr>
+            <a:spLocks noGrp="1"/>
+          </p:cNvSpPr>
+          <p:nvPr>
+            <p:ph idx="1"/>
+          </p:nvPr>
+        </p:nvSpPr>
+        <p:spPr/>
+        <p:txBody>
+          <a:bodyPr>
+            <a:normAutofit/>
+          </a:bodyPr>
+          <a:lstStyle/>
+          <a:p>
+            <a:pPr marL="0" indent="0">
+              <a:buNone/>
+            </a:pPr>
+            <a:r>
+              <a:rPr lang="en-US" sz="2000" b="1" dirty="0"/>
+              <a:t>https://</a:t>
+            </a:r>
+            <a:r>
+              <a:rPr lang="en-US" sz="2000" b="1" dirty="0" err="1"/>
+              <a:t>baylorsailor.github.io</a:t>
+            </a:r>
+            <a:r>
+              <a:rPr lang="en-US" sz="2000" b="1" dirty="0"/>
+              <a:t>/C.A.R./site</a:t>
+            </a:r>
+          </a:p>
+        </p:txBody>
+      </p:sp>
+      <p:pic>
+        <p:nvPicPr>
+          <p:cNvPr id="4" name="Picture 3">
+            <a:extLst>
+              <a:ext uri="{FF2B5EF4-FFF2-40B4-BE49-F238E27FC236}">
+                <a16:creationId xmlns:a16="http://schemas.microsoft.com/office/drawing/2014/main" id="{028A15CB-9C13-4E4F-990D-A79D4338D78A}"/>
+              </a:ext>
+            </a:extLst>
+          </p:cNvPr>
+          <p:cNvPicPr>
+            <a:picLocks noChangeAspect="1"/>
+          </p:cNvPicPr>
+          <p:nvPr/>
+        </p:nvPicPr>
+        <p:blipFill>
+          <a:blip r:embed="rId2"/>
+          <a:stretch>
+            <a:fillRect/>
+          </a:stretch>
+        </p:blipFill>
+        <p:spPr>
+          <a:xfrm>
+            <a:off x="8445500" y="5161997"/>
+            <a:ext cx="3746500" cy="1665111"/>
+          </a:xfrm>
+          <a:prstGeom prst="rect">
+            <a:avLst/>
+          </a:prstGeom>
+        </p:spPr>
+      </p:pic>
+    </p:spTree>
+    <p:extLst>
+      <p:ext uri="{BB962C8B-B14F-4D97-AF65-F5344CB8AC3E}">
+        <p14:creationId xmlns:p14="http://schemas.microsoft.com/office/powerpoint/2010/main" val="1049443972"/>
       </p:ext>
     </p:extLst>
   </p:cSld>

--- a/Iteration-1/Iteration Presentation.pptx
+++ b/Iteration-1/Iteration Presentation.pptx
@@ -6,13 +6,14 @@
   </p:sldMasterIdLst>
   <p:sldIdLst>
     <p:sldId id="256" r:id="rId2"/>
-    <p:sldId id="257" r:id="rId3"/>
-    <p:sldId id="258" r:id="rId4"/>
-    <p:sldId id="259" r:id="rId5"/>
-    <p:sldId id="260" r:id="rId6"/>
-    <p:sldId id="262" r:id="rId7"/>
-    <p:sldId id="261" r:id="rId8"/>
-    <p:sldId id="265" r:id="rId9"/>
+    <p:sldId id="266" r:id="rId3"/>
+    <p:sldId id="257" r:id="rId4"/>
+    <p:sldId id="258" r:id="rId5"/>
+    <p:sldId id="259" r:id="rId6"/>
+    <p:sldId id="260" r:id="rId7"/>
+    <p:sldId id="262" r:id="rId8"/>
+    <p:sldId id="261" r:id="rId9"/>
+    <p:sldId id="265" r:id="rId10"/>
   </p:sldIdLst>
   <p:sldSz cx="12192000" cy="6858000"/>
   <p:notesSz cx="6858000" cy="9144000"/>
@@ -5923,6 +5924,98 @@
           <a:chExt cx="0" cy="0"/>
         </a:xfrm>
       </p:grpSpPr>
+      <p:sp>
+        <p:nvSpPr>
+          <p:cNvPr id="2" name="Title 1">
+            <a:extLst>
+              <a:ext uri="{FF2B5EF4-FFF2-40B4-BE49-F238E27FC236}">
+                <a16:creationId xmlns:a16="http://schemas.microsoft.com/office/drawing/2014/main" id="{103ED0D9-DE7F-1D4D-AF58-B2E9861A0DD0}"/>
+              </a:ext>
+            </a:extLst>
+          </p:cNvPr>
+          <p:cNvSpPr>
+            <a:spLocks noGrp="1"/>
+          </p:cNvSpPr>
+          <p:nvPr>
+            <p:ph type="title"/>
+          </p:nvPr>
+        </p:nvSpPr>
+        <p:spPr>
+          <a:xfrm>
+            <a:off x="5753101" y="309032"/>
+            <a:ext cx="10131425" cy="1456267"/>
+          </a:xfrm>
+        </p:spPr>
+        <p:txBody>
+          <a:bodyPr/>
+          <a:lstStyle/>
+          <a:p>
+            <a:r>
+              <a:rPr lang="en-US" dirty="0"/>
+              <a:t>Vision</a:t>
+            </a:r>
+          </a:p>
+        </p:txBody>
+      </p:sp>
+      <p:pic>
+        <p:nvPicPr>
+          <p:cNvPr id="5" name="Content Placeholder 4">
+            <a:extLst>
+              <a:ext uri="{FF2B5EF4-FFF2-40B4-BE49-F238E27FC236}">
+                <a16:creationId xmlns:a16="http://schemas.microsoft.com/office/drawing/2014/main" id="{9453B18F-4A1F-4E42-BF1D-CDE4A33BAE74}"/>
+              </a:ext>
+            </a:extLst>
+          </p:cNvPr>
+          <p:cNvPicPr>
+            <a:picLocks noGrp="1" noChangeAspect="1"/>
+          </p:cNvPicPr>
+          <p:nvPr>
+            <p:ph idx="1"/>
+          </p:nvPr>
+        </p:nvPicPr>
+        <p:blipFill>
+          <a:blip r:embed="rId2"/>
+          <a:stretch>
+            <a:fillRect/>
+          </a:stretch>
+        </p:blipFill>
+        <p:spPr>
+          <a:xfrm>
+            <a:off x="414081" y="309032"/>
+            <a:ext cx="5070240" cy="6142567"/>
+          </a:xfrm>
+        </p:spPr>
+      </p:pic>
+    </p:spTree>
+    <p:extLst>
+      <p:ext uri="{BB962C8B-B14F-4D97-AF65-F5344CB8AC3E}">
+        <p14:creationId xmlns:p14="http://schemas.microsoft.com/office/powerpoint/2010/main" val="1974521838"/>
+      </p:ext>
+    </p:extLst>
+  </p:cSld>
+  <p:clrMapOvr>
+    <a:masterClrMapping/>
+  </p:clrMapOvr>
+</p:sld>
+</file>
+
+<file path=ppt/slides/slide3.xml><?xml version="1.0" encoding="utf-8"?>
+<p:sld xmlns:a="http://schemas.openxmlformats.org/drawingml/2006/main" xmlns:r="http://schemas.openxmlformats.org/officeDocument/2006/relationships" xmlns:p="http://schemas.openxmlformats.org/presentationml/2006/main">
+  <p:cSld>
+    <p:spTree>
+      <p:nvGrpSpPr>
+        <p:cNvPr id="1" name=""/>
+        <p:cNvGrpSpPr/>
+        <p:nvPr/>
+      </p:nvGrpSpPr>
+      <p:grpSpPr>
+        <a:xfrm>
+          <a:off x="0" y="0"/>
+          <a:ext cx="0" cy="0"/>
+          <a:chOff x="0" y="0"/>
+          <a:chExt cx="0" cy="0"/>
+        </a:xfrm>
+      </p:grpSpPr>
       <p:pic>
         <p:nvPicPr>
           <p:cNvPr id="12" name="Picture 11">
@@ -6117,7 +6210,7 @@
 </p:sld>
 </file>
 
-<file path=ppt/slides/slide3.xml><?xml version="1.0" encoding="utf-8"?>
+<file path=ppt/slides/slide4.xml><?xml version="1.0" encoding="utf-8"?>
 <p:sld xmlns:a="http://schemas.openxmlformats.org/drawingml/2006/main" xmlns:r="http://schemas.openxmlformats.org/officeDocument/2006/relationships" xmlns:p="http://schemas.openxmlformats.org/presentationml/2006/main">
   <p:cSld>
     <p:spTree>
@@ -6547,7 +6640,7 @@
 </p:sld>
 </file>
 
-<file path=ppt/slides/slide4.xml><?xml version="1.0" encoding="utf-8"?>
+<file path=ppt/slides/slide5.xml><?xml version="1.0" encoding="utf-8"?>
 <p:sld xmlns:a="http://schemas.openxmlformats.org/drawingml/2006/main" xmlns:r="http://schemas.openxmlformats.org/officeDocument/2006/relationships" xmlns:p="http://schemas.openxmlformats.org/presentationml/2006/main">
   <p:cSld>
     <p:spTree>
@@ -6675,7 +6768,7 @@
 </p:sld>
 </file>
 
-<file path=ppt/slides/slide5.xml><?xml version="1.0" encoding="utf-8"?>
+<file path=ppt/slides/slide6.xml><?xml version="1.0" encoding="utf-8"?>
 <p:sld xmlns:a="http://schemas.openxmlformats.org/drawingml/2006/main" xmlns:r="http://schemas.openxmlformats.org/officeDocument/2006/relationships" xmlns:p="http://schemas.openxmlformats.org/presentationml/2006/main">
   <p:cSld>
     <p:spTree>
@@ -6793,7 +6886,7 @@
 </p:sld>
 </file>
 
-<file path=ppt/slides/slide6.xml><?xml version="1.0" encoding="utf-8"?>
+<file path=ppt/slides/slide7.xml><?xml version="1.0" encoding="utf-8"?>
 <p:sld xmlns:a="http://schemas.openxmlformats.org/drawingml/2006/main" xmlns:r="http://schemas.openxmlformats.org/officeDocument/2006/relationships" xmlns:p="http://schemas.openxmlformats.org/presentationml/2006/main">
   <p:cSld>
     <p:spTree>
@@ -6905,7 +6998,7 @@
 </p:sld>
 </file>
 
-<file path=ppt/slides/slide7.xml><?xml version="1.0" encoding="utf-8"?>
+<file path=ppt/slides/slide8.xml><?xml version="1.0" encoding="utf-8"?>
 <p:sld xmlns:a="http://schemas.openxmlformats.org/drawingml/2006/main" xmlns:r="http://schemas.openxmlformats.org/officeDocument/2006/relationships" xmlns:p="http://schemas.openxmlformats.org/presentationml/2006/main">
   <p:cSld>
     <p:spTree>
@@ -6965,7 +7058,7 @@
 </p:sld>
 </file>
 
-<file path=ppt/slides/slide8.xml><?xml version="1.0" encoding="utf-8"?>
+<file path=ppt/slides/slide9.xml><?xml version="1.0" encoding="utf-8"?>
 <p:sld xmlns:a="http://schemas.openxmlformats.org/drawingml/2006/main" xmlns:r="http://schemas.openxmlformats.org/officeDocument/2006/relationships" xmlns:p="http://schemas.openxmlformats.org/presentationml/2006/main">
   <p:cSld>
     <p:spTree>
